--- a/00-構成/00_活動主旨-チーミング1回目.pptx
+++ b/00-構成/00_活動主旨-チーミング1回目.pptx
@@ -245,8 +245,11 @@
     </a:lvl9pPr>
   </p:defaultTextStyle>
   <p:extLst>
+    <p:ext uri="{EFAFB233-063F-42B5-8137-9DF3F51BA10A}">
+      <p15:sldGuideLst xmlns:p15="http://schemas.microsoft.com/office/powerpoint/2012/main"/>
+    </p:ext>
     <p:ext uri="GoogleSlidesCustomDataVersion2">
-      <go:slidesCustomData xmlns:go="http://customooxmlschemas.google.com/" xmlns:ahyp="http://schemas.microsoft.com/office/drawing/2018/hyperlinkcolor" xmlns:p15="http://schemas.microsoft.com/office/powerpoint/2012/main" xmlns:p14="http://schemas.microsoft.com/office/powerpoint/2010/main" xmlns:com="http://schemas.openxmlformats.org/drawingml/2006/compatibility" xmlns:pvml="urn:schemas-microsoft-com:office:powerpoint" xmlns:v="urn:schemas-microsoft-com:vml" xmlns:o="urn:schemas-microsoft-com:office:office" xmlns:dgm="http://schemas.openxmlformats.org/drawingml/2006/diagram" xmlns:c="http://schemas.openxmlformats.org/drawingml/2006/chart" xmlns:mv="urn:schemas-microsoft-com:mac:vml" xmlns:mc="http://schemas.openxmlformats.org/markup-compatibility/2006" xmlns="" r:id="rId15" roundtripDataSignature="AMtx7mixN8GL+9Hityx6VXoxpTKXOt6Cag=="/>
+      <go:slidesCustomData xmlns="" xmlns:mc="http://schemas.openxmlformats.org/markup-compatibility/2006" xmlns:mv="urn:schemas-microsoft-com:mac:vml" xmlns:c="http://schemas.openxmlformats.org/drawingml/2006/chart" xmlns:dgm="http://schemas.openxmlformats.org/drawingml/2006/diagram" xmlns:o="urn:schemas-microsoft-com:office:office" xmlns:v="urn:schemas-microsoft-com:vml" xmlns:pvml="urn:schemas-microsoft-com:office:powerpoint" xmlns:com="http://schemas.openxmlformats.org/drawingml/2006/compatibility" xmlns:p14="http://schemas.microsoft.com/office/powerpoint/2010/main" xmlns:p15="http://schemas.microsoft.com/office/powerpoint/2012/main" xmlns:ahyp="http://schemas.microsoft.com/office/drawing/2018/hyperlinkcolor" xmlns:go="http://customooxmlschemas.google.com/" r:id="rId15" roundtripDataSignature="AMtx7mixN8GL+9Hityx6VXoxpTKXOt6Cag=="/>
     </p:ext>
   </p:extLst>
 </p:presentation>
@@ -8619,7 +8622,7 @@
               <a:buNone/>
             </a:pPr>
             <a:r>
-              <a:rPr lang="ja-JP" sz="1400" b="0" u="none">
+              <a:rPr lang="ja-JP" sz="1400" b="0" u="none" dirty="0">
                 <a:solidFill>
                   <a:schemeClr val="dk1"/>
                 </a:solidFill>
@@ -8630,7 +8633,7 @@
               </a:rPr>
               <a:t>①と②では、どちらが早いだろうか</a:t>
             </a:r>
-            <a:endParaRPr sz="1400" b="0" u="none">
+            <a:endParaRPr sz="1400" b="0" u="none" dirty="0">
               <a:solidFill>
                 <a:schemeClr val="dk1"/>
               </a:solidFill>
@@ -8659,7 +8662,7 @@
               <a:buNone/>
             </a:pPr>
             <a:r>
-              <a:rPr lang="ja-JP" sz="1400" b="0" u="none">
+              <a:rPr lang="ja-JP" sz="1400" b="0" u="none" dirty="0">
                 <a:solidFill>
                   <a:schemeClr val="dk1"/>
                 </a:solidFill>
@@ -8668,9 +8671,21 @@
                 <a:cs typeface="Arial"/>
                 <a:sym typeface="Arial"/>
               </a:rPr>
-              <a:t>※②は人材、組織が訓練されていないため、現実的ではない。</a:t>
+              <a:t>※②は人材、組織が訓練されていないため、</a:t>
             </a:r>
-            <a:endParaRPr sz="1400" b="0" u="none">
+            <a:r>
+              <a:rPr lang="ja-JP" altLang="en-US" sz="1400" b="0" u="none" dirty="0">
+                <a:solidFill>
+                  <a:schemeClr val="dk1"/>
+                </a:solidFill>
+                <a:latin typeface="Arial"/>
+                <a:ea typeface="Arial"/>
+                <a:cs typeface="Arial"/>
+                <a:sym typeface="Arial"/>
+              </a:rPr>
+              <a:t>時間がかかる。</a:t>
+            </a:r>
+            <a:endParaRPr sz="1400" b="0" u="none" dirty="0">
               <a:solidFill>
                 <a:schemeClr val="dk1"/>
               </a:solidFill>
@@ -9739,7 +9754,7 @@
         </p:nvSpPr>
         <p:spPr>
           <a:xfrm>
-            <a:off x="96176" y="100797"/>
+            <a:off x="48088" y="0"/>
             <a:ext cx="12095823" cy="617855"/>
           </a:xfrm>
           <a:prstGeom prst="rect">
@@ -9774,7 +9789,7 @@
               <a:buNone/>
             </a:pPr>
             <a:r>
-              <a:rPr lang="ja-JP" sz="1800">
+              <a:rPr lang="ja-JP" sz="1800" dirty="0">
                 <a:latin typeface="Arial"/>
                 <a:ea typeface="Arial"/>
                 <a:cs typeface="Arial"/>
@@ -9783,7 +9798,7 @@
               <a:t>〇行政の新しいカタチ</a:t>
             </a:r>
             <a:br>
-              <a:rPr lang="ja-JP" sz="1800">
+              <a:rPr lang="ja-JP" sz="1800" dirty="0">
                 <a:latin typeface="Arial"/>
                 <a:ea typeface="Arial"/>
                 <a:cs typeface="Arial"/>
@@ -9791,7 +9806,7 @@
               </a:rPr>
             </a:br>
             <a:r>
-              <a:rPr lang="ja-JP" sz="1800">
+              <a:rPr lang="ja-JP" sz="1800" dirty="0">
                 <a:latin typeface="Arial"/>
                 <a:ea typeface="Arial"/>
                 <a:cs typeface="Arial"/>
@@ -9800,7 +9815,7 @@
               <a:t>　国・広域区がデジタルを基軸として進める新しい“カタチ”を調査、報告する。</a:t>
             </a:r>
             <a:br>
-              <a:rPr lang="ja-JP" sz="1800">
+              <a:rPr lang="ja-JP" sz="1800" dirty="0">
                 <a:latin typeface="Arial"/>
                 <a:ea typeface="Arial"/>
                 <a:cs typeface="Arial"/>
@@ -9808,7 +9823,7 @@
               </a:rPr>
             </a:br>
             <a:br>
-              <a:rPr lang="ja-JP" sz="1800">
+              <a:rPr lang="ja-JP" sz="1800" dirty="0">
                 <a:latin typeface="Arial"/>
                 <a:ea typeface="Arial"/>
                 <a:cs typeface="Arial"/>
@@ -9816,7 +9831,7 @@
               </a:rPr>
             </a:br>
             <a:r>
-              <a:rPr lang="ja-JP" sz="1800">
+              <a:rPr lang="ja-JP" sz="1800" dirty="0">
                 <a:latin typeface="Arial"/>
                 <a:ea typeface="Arial"/>
                 <a:cs typeface="Arial"/>
@@ -9825,7 +9840,7 @@
               <a:t>〇調査方法</a:t>
             </a:r>
             <a:br>
-              <a:rPr lang="ja-JP" sz="1800">
+              <a:rPr lang="ja-JP" sz="1800" dirty="0">
                 <a:latin typeface="Arial"/>
                 <a:ea typeface="Arial"/>
                 <a:cs typeface="Arial"/>
@@ -9833,7 +9848,7 @@
               </a:rPr>
             </a:br>
             <a:r>
-              <a:rPr lang="ja-JP" sz="1800">
+              <a:rPr lang="ja-JP" sz="1800" dirty="0">
                 <a:latin typeface="Arial"/>
                 <a:ea typeface="Arial"/>
                 <a:cs typeface="Arial"/>
@@ -9842,7 +9857,7 @@
               <a:t>　・日本とインドとを比較する。</a:t>
             </a:r>
             <a:br>
-              <a:rPr lang="ja-JP" sz="1800">
+              <a:rPr lang="ja-JP" sz="1800" dirty="0">
                 <a:latin typeface="Arial"/>
                 <a:ea typeface="Arial"/>
                 <a:cs typeface="Arial"/>
@@ -9850,7 +9865,7 @@
               </a:rPr>
             </a:br>
             <a:r>
-              <a:rPr lang="ja-JP" sz="1800">
+              <a:rPr lang="ja-JP" sz="1800" dirty="0">
                 <a:latin typeface="Arial"/>
                 <a:ea typeface="Arial"/>
                 <a:cs typeface="Arial"/>
@@ -9859,11 +9874,11 @@
               <a:t>　</a:t>
             </a:r>
             <a:r>
-              <a:rPr lang="ja-JP" sz="1800"/>
+              <a:rPr lang="ja-JP" sz="1800" dirty="0"/>
               <a:t>　</a:t>
             </a:r>
             <a:r>
-              <a:rPr lang="ja-JP" sz="1800">
+              <a:rPr lang="ja-JP" sz="1800" dirty="0">
                 <a:latin typeface="Arial"/>
                 <a:ea typeface="Arial"/>
                 <a:cs typeface="Arial"/>
@@ -9871,7 +9886,7 @@
               </a:rPr>
               <a:t>・アドハー導入</a:t>
             </a:r>
-            <a:endParaRPr sz="1800"/>
+            <a:endParaRPr sz="1800" dirty="0"/>
           </a:p>
           <a:p>
             <a:pPr marL="0" lvl="0" indent="0" algn="l" rtl="0">
@@ -9892,11 +9907,11 @@
               <a:buNone/>
             </a:pPr>
             <a:r>
-              <a:rPr lang="ja-JP" sz="1800"/>
+              <a:rPr lang="ja-JP" sz="1800" dirty="0"/>
               <a:t>　　・</a:t>
             </a:r>
             <a:r>
-              <a:rPr lang="ja-JP" sz="1800">
+              <a:rPr lang="ja-JP" sz="1800" dirty="0">
                 <a:latin typeface="Arial"/>
                 <a:ea typeface="Arial"/>
                 <a:cs typeface="Arial"/>
@@ -9904,7 +9919,7 @@
               </a:rPr>
               <a:t>法改正（個人情報関連の否決、採択）</a:t>
             </a:r>
-            <a:endParaRPr sz="1800"/>
+            <a:endParaRPr sz="1800" dirty="0"/>
           </a:p>
           <a:p>
             <a:pPr marL="0" lvl="0" indent="0" algn="l" rtl="0">
@@ -9925,11 +9940,11 @@
               <a:buNone/>
             </a:pPr>
             <a:r>
-              <a:rPr lang="ja-JP" sz="1800"/>
+              <a:rPr lang="ja-JP" sz="1800" dirty="0"/>
               <a:t>　　・インドの</a:t>
             </a:r>
             <a:r>
-              <a:rPr lang="ja-JP" sz="1800">
+              <a:rPr lang="ja-JP" sz="1800" dirty="0">
                 <a:latin typeface="Arial"/>
                 <a:ea typeface="Arial"/>
                 <a:cs typeface="Arial"/>
@@ -9937,7 +9952,7 @@
               </a:rPr>
               <a:t>海外展開など。</a:t>
             </a:r>
-            <a:endParaRPr sz="1800">
+            <a:endParaRPr sz="1800" dirty="0">
               <a:latin typeface="Arial"/>
               <a:ea typeface="Arial"/>
               <a:cs typeface="Arial"/>
@@ -9963,10 +9978,10 @@
               <a:buNone/>
             </a:pPr>
             <a:r>
-              <a:rPr lang="ja-JP" sz="1800"/>
+              <a:rPr lang="ja-JP" sz="1800" dirty="0"/>
               <a:t>　　・ドメインについて（インド）</a:t>
             </a:r>
-            <a:endParaRPr sz="1800"/>
+            <a:endParaRPr sz="1800" dirty="0"/>
           </a:p>
           <a:p>
             <a:pPr marL="0" lvl="0" indent="0" algn="l" rtl="0">
@@ -9987,7 +10002,7 @@
               <a:buNone/>
             </a:pPr>
             <a:br>
-              <a:rPr lang="ja-JP" sz="1800">
+              <a:rPr lang="ja-JP" sz="1800" dirty="0">
                 <a:latin typeface="Arial"/>
                 <a:ea typeface="Arial"/>
                 <a:cs typeface="Arial"/>
@@ -9995,7 +10010,7 @@
               </a:rPr>
             </a:br>
             <a:r>
-              <a:rPr lang="ja-JP" sz="1800">
+              <a:rPr lang="ja-JP" sz="1800" dirty="0">
                 <a:latin typeface="Arial"/>
                 <a:ea typeface="Arial"/>
                 <a:cs typeface="Arial"/>
@@ -10004,7 +10019,7 @@
               <a:t>　・2001年の日韓比較資料の構成をベースとして、誰にもに分かりやすく自治体制度への伴走型で</a:t>
             </a:r>
             <a:br>
-              <a:rPr lang="ja-JP" sz="1800">
+              <a:rPr lang="ja-JP" sz="1800" dirty="0">
                 <a:latin typeface="Arial"/>
                 <a:ea typeface="Arial"/>
                 <a:cs typeface="Arial"/>
@@ -10012,7 +10027,7 @@
               </a:rPr>
             </a:br>
             <a:r>
-              <a:rPr lang="ja-JP" sz="1800">
+              <a:rPr lang="ja-JP" sz="1800" dirty="0">
                 <a:latin typeface="Arial"/>
                 <a:ea typeface="Arial"/>
                 <a:cs typeface="Arial"/>
@@ -10021,7 +10036,7 @@
               <a:t>         双方の比較としてまとめる。（あれもこれもに欲張らない。先ずは個人管理（デジタルID）を必須とする。）</a:t>
             </a:r>
             <a:br>
-              <a:rPr lang="ja-JP" sz="1800">
+              <a:rPr lang="ja-JP" sz="1800" dirty="0">
                 <a:latin typeface="Arial"/>
                 <a:ea typeface="Arial"/>
                 <a:cs typeface="Arial"/>
@@ -10029,7 +10044,7 @@
               </a:rPr>
             </a:br>
             <a:br>
-              <a:rPr lang="ja-JP" sz="1800">
+              <a:rPr lang="ja-JP" sz="1800" dirty="0">
                 <a:latin typeface="Arial"/>
                 <a:ea typeface="Arial"/>
                 <a:cs typeface="Arial"/>
@@ -10037,7 +10052,7 @@
               </a:rPr>
             </a:br>
             <a:r>
-              <a:rPr lang="ja-JP" sz="1800">
+              <a:rPr lang="ja-JP" sz="1800" dirty="0">
                 <a:latin typeface="Arial"/>
                 <a:ea typeface="Arial"/>
                 <a:cs typeface="Arial"/>
@@ -10046,7 +10061,7 @@
               <a:t>〇参考とする資料と実績について</a:t>
             </a:r>
             <a:br>
-              <a:rPr lang="ja-JP" sz="1800">
+              <a:rPr lang="ja-JP" sz="1800" dirty="0">
                 <a:latin typeface="Arial"/>
                 <a:ea typeface="Arial"/>
                 <a:cs typeface="Arial"/>
@@ -10054,7 +10069,7 @@
               </a:rPr>
             </a:br>
             <a:r>
-              <a:rPr lang="ja-JP" sz="1800">
+              <a:rPr lang="ja-JP" sz="1800" dirty="0">
                 <a:latin typeface="Arial"/>
                 <a:ea typeface="Arial"/>
                 <a:cs typeface="Arial"/>
@@ -10063,7 +10078,7 @@
               <a:t>　※2001年　韓国の医療保険制度及び診療報酬の請求方法に係る報告（義父　二俣義司）</a:t>
             </a:r>
             <a:br>
-              <a:rPr lang="ja-JP" sz="1800">
+              <a:rPr lang="ja-JP" sz="1800" dirty="0">
                 <a:latin typeface="Arial"/>
                 <a:ea typeface="Arial"/>
                 <a:cs typeface="Arial"/>
@@ -10071,7 +10086,7 @@
               </a:rPr>
             </a:br>
             <a:r>
-              <a:rPr lang="ja-JP" sz="1800">
+              <a:rPr lang="ja-JP" sz="1800" dirty="0">
                 <a:latin typeface="Arial"/>
                 <a:ea typeface="Arial"/>
                 <a:cs typeface="Arial"/>
@@ -10080,7 +10095,7 @@
               <a:t>　（実績）2001年、発表。１か月後に厚生労働大臣⇒渡韓、国会報告。</a:t>
             </a:r>
             <a:br>
-              <a:rPr lang="ja-JP" sz="1800">
+              <a:rPr lang="ja-JP" sz="1800" dirty="0">
                 <a:latin typeface="Arial"/>
                 <a:ea typeface="Arial"/>
                 <a:cs typeface="Arial"/>
@@ -10088,7 +10103,7 @@
               </a:rPr>
             </a:br>
             <a:r>
-              <a:rPr lang="ja-JP" sz="1800">
+              <a:rPr lang="ja-JP" sz="1800" dirty="0">
                 <a:latin typeface="Arial"/>
                 <a:ea typeface="Arial"/>
                 <a:cs typeface="Arial"/>
@@ -10097,7 +10112,7 @@
               <a:t>　　　　　全国の診療報酬支払基金対応、翌年、全国の国保連合会で対応。</a:t>
             </a:r>
             <a:br>
-              <a:rPr lang="ja-JP" sz="1800">
+              <a:rPr lang="ja-JP" sz="1800" dirty="0">
                 <a:latin typeface="Arial"/>
                 <a:ea typeface="Arial"/>
                 <a:cs typeface="Arial"/>
@@ -10105,7 +10120,7 @@
               </a:rPr>
             </a:br>
             <a:br>
-              <a:rPr lang="ja-JP" sz="1800">
+              <a:rPr lang="ja-JP" sz="1800" dirty="0">
                 <a:latin typeface="Arial"/>
                 <a:ea typeface="Arial"/>
                 <a:cs typeface="Arial"/>
@@ -10113,7 +10128,7 @@
               </a:rPr>
             </a:br>
             <a:r>
-              <a:rPr lang="ja-JP" sz="1800">
+              <a:rPr lang="ja-JP" sz="1800" dirty="0">
                 <a:latin typeface="Arial"/>
                 <a:ea typeface="Arial"/>
                 <a:cs typeface="Arial"/>
@@ -10122,7 +10137,7 @@
               <a:t>〇成果物</a:t>
             </a:r>
             <a:br>
-              <a:rPr lang="ja-JP" sz="1800">
+              <a:rPr lang="ja-JP" sz="1800" dirty="0">
                 <a:latin typeface="Arial"/>
                 <a:ea typeface="Arial"/>
                 <a:cs typeface="Arial"/>
@@ -10130,7 +10145,7 @@
               </a:rPr>
             </a:br>
             <a:r>
-              <a:rPr lang="ja-JP" sz="1800">
+              <a:rPr lang="ja-JP" sz="1800" dirty="0">
                 <a:latin typeface="Arial"/>
                 <a:ea typeface="Arial"/>
                 <a:cs typeface="Arial"/>
@@ -10138,7 +10153,7 @@
               </a:rPr>
               <a:t>　行政の新しいカタチ　１部</a:t>
             </a:r>
-            <a:endParaRPr sz="1800"/>
+            <a:endParaRPr sz="1800" dirty="0"/>
           </a:p>
           <a:p>
             <a:pPr marL="0" lvl="0" indent="0" algn="l" rtl="0">
@@ -10159,11 +10174,11 @@
               <a:buNone/>
             </a:pPr>
             <a:r>
-              <a:rPr lang="ja-JP" sz="1800"/>
+              <a:rPr lang="ja-JP" sz="1800" dirty="0"/>
               <a:t>　</a:t>
             </a:r>
             <a:r>
-              <a:rPr lang="ja-JP" sz="1800">
+              <a:rPr lang="ja-JP" sz="1800" dirty="0">
                 <a:latin typeface="Arial"/>
                 <a:ea typeface="Arial"/>
                 <a:cs typeface="Arial"/>
@@ -10172,11 +10187,11 @@
               <a:t>プレゼン報告資料　</a:t>
             </a:r>
             <a:r>
-              <a:rPr lang="ja-JP" sz="1800"/>
+              <a:rPr lang="ja-JP" sz="1800" dirty="0"/>
               <a:t>　</a:t>
             </a:r>
             <a:r>
-              <a:rPr lang="ja-JP" sz="1800">
+              <a:rPr lang="ja-JP" sz="1800" dirty="0">
                 <a:latin typeface="Arial"/>
                 <a:ea typeface="Arial"/>
                 <a:cs typeface="Arial"/>
@@ -10184,7 +10199,137 @@
               </a:rPr>
               <a:t>１部</a:t>
             </a:r>
-            <a:endParaRPr sz="1800">
+            <a:br>
+              <a:rPr lang="en-US" altLang="ja-JP" sz="1800" dirty="0">
+                <a:latin typeface="Arial"/>
+                <a:ea typeface="Arial"/>
+                <a:cs typeface="Arial"/>
+                <a:sym typeface="Arial"/>
+              </a:rPr>
+            </a:br>
+            <a:br>
+              <a:rPr lang="en-US" altLang="ja-JP" sz="1800" dirty="0">
+                <a:latin typeface="Arial"/>
+                <a:ea typeface="Arial"/>
+                <a:cs typeface="Arial"/>
+                <a:sym typeface="Arial"/>
+              </a:rPr>
+            </a:br>
+            <a:r>
+              <a:rPr lang="ja-JP" altLang="ja-JP" sz="1800" dirty="0">
+                <a:latin typeface="Arial"/>
+                <a:ea typeface="Arial"/>
+                <a:cs typeface="Arial"/>
+                <a:sym typeface="Arial"/>
+              </a:rPr>
+              <a:t>〇</a:t>
+            </a:r>
+            <a:r>
+              <a:rPr lang="ja-JP" altLang="en-US" sz="1800" dirty="0">
+                <a:latin typeface="Arial"/>
+                <a:ea typeface="Arial"/>
+                <a:cs typeface="Arial"/>
+                <a:sym typeface="Arial"/>
+              </a:rPr>
+              <a:t>集まりし、</a:t>
+            </a:r>
+            <a:r>
+              <a:rPr lang="en-US" altLang="ja-JP" sz="1800" dirty="0">
+                <a:latin typeface="Arial"/>
+                <a:ea typeface="Arial"/>
+                <a:cs typeface="Arial"/>
+                <a:sym typeface="Arial"/>
+              </a:rPr>
+              <a:t>5</a:t>
+            </a:r>
+            <a:r>
+              <a:rPr lang="ja-JP" altLang="en-US" sz="1800" dirty="0">
+                <a:latin typeface="Arial"/>
+                <a:ea typeface="Arial"/>
+                <a:cs typeface="Arial"/>
+                <a:sym typeface="Arial"/>
+              </a:rPr>
+              <a:t>人の勇者</a:t>
+            </a:r>
+            <a:br>
+              <a:rPr lang="en-US" altLang="ja-JP" sz="1800" dirty="0">
+                <a:latin typeface="Arial"/>
+                <a:ea typeface="Arial"/>
+                <a:cs typeface="Arial"/>
+                <a:sym typeface="Arial"/>
+              </a:rPr>
+            </a:br>
+            <a:r>
+              <a:rPr lang="ja-JP" altLang="en-US" sz="1800" dirty="0">
+                <a:latin typeface="Arial"/>
+                <a:ea typeface="Arial"/>
+                <a:cs typeface="Arial"/>
+                <a:sym typeface="Arial"/>
+              </a:rPr>
+              <a:t>　元谷　、　岩崎さん　、　琴原さん　、　吉田さん　、　（武山さん）</a:t>
+            </a:r>
+            <a:br>
+              <a:rPr lang="en-US" altLang="ja-JP" sz="1800" dirty="0">
+                <a:latin typeface="Arial"/>
+                <a:ea typeface="Arial"/>
+                <a:cs typeface="Arial"/>
+                <a:sym typeface="Arial"/>
+              </a:rPr>
+            </a:br>
+            <a:br>
+              <a:rPr lang="en-US" altLang="ja-JP" sz="1800" dirty="0">
+                <a:latin typeface="Arial"/>
+                <a:ea typeface="Arial"/>
+                <a:cs typeface="Arial"/>
+                <a:sym typeface="Arial"/>
+              </a:rPr>
+            </a:br>
+            <a:r>
+              <a:rPr lang="ja-JP" altLang="en-US" sz="1800" dirty="0">
+                <a:latin typeface="Arial"/>
+                <a:ea typeface="Arial"/>
+                <a:cs typeface="Arial"/>
+                <a:sym typeface="Arial"/>
+              </a:rPr>
+              <a:t>　他、羅先生（東大　日韓比較研究者）、永田さん（</a:t>
+            </a:r>
+            <a:r>
+              <a:rPr lang="en-US" altLang="ja-JP" sz="1800" dirty="0">
+                <a:latin typeface="Arial"/>
+                <a:ea typeface="Arial"/>
+                <a:cs typeface="Arial"/>
+                <a:sym typeface="Arial"/>
+              </a:rPr>
+              <a:t>JAICA</a:t>
+            </a:r>
+            <a:r>
+              <a:rPr lang="ja-JP" altLang="en-US" sz="1800" dirty="0">
+                <a:latin typeface="Arial"/>
+                <a:ea typeface="Arial"/>
+                <a:cs typeface="Arial"/>
+                <a:sym typeface="Arial"/>
+              </a:rPr>
+              <a:t>　</a:t>
+            </a:r>
+            <a:r>
+              <a:rPr lang="en-US" altLang="ja-JP" sz="1800" dirty="0">
+                <a:latin typeface="Arial"/>
+                <a:ea typeface="Arial"/>
+                <a:cs typeface="Arial"/>
+                <a:sym typeface="Arial"/>
+              </a:rPr>
+              <a:t>DPI</a:t>
+            </a:r>
+            <a:r>
+              <a:rPr lang="ja-JP" altLang="en-US" sz="1800" dirty="0">
+                <a:latin typeface="Arial"/>
+                <a:ea typeface="Arial"/>
+                <a:cs typeface="Arial"/>
+                <a:sym typeface="Arial"/>
+              </a:rPr>
+              <a:t>などを日本にリバース）</a:t>
+            </a:r>
+            <a:endParaRPr sz="1800" dirty="0">
               <a:latin typeface="Arial"/>
               <a:ea typeface="Arial"/>
               <a:cs typeface="Arial"/>
@@ -11620,7 +11765,7 @@
               <a:buNone/>
             </a:pPr>
             <a:r>
-              <a:rPr lang="ja-JP" sz="1800">
+              <a:rPr lang="ja-JP" sz="1800" dirty="0">
                 <a:latin typeface="Arial"/>
                 <a:ea typeface="Arial"/>
                 <a:cs typeface="Arial"/>
@@ -11628,7 +11773,7 @@
               </a:rPr>
               <a:t>〇参考資料リンク</a:t>
             </a:r>
-            <a:endParaRPr sz="1800">
+            <a:endParaRPr sz="1800" dirty="0">
               <a:latin typeface="Arial"/>
               <a:ea typeface="Arial"/>
               <a:cs typeface="Arial"/>
@@ -11654,10 +11799,10 @@
               <a:buNone/>
             </a:pPr>
             <a:r>
-              <a:rPr lang="ja-JP" sz="1800"/>
+              <a:rPr lang="ja-JP" sz="1800" dirty="0"/>
               <a:t>　日韓比較　2001年</a:t>
             </a:r>
-            <a:endParaRPr sz="1800"/>
+            <a:endParaRPr sz="1800" dirty="0"/>
           </a:p>
           <a:p>
             <a:pPr marL="0" lvl="0" indent="0" algn="l" rtl="0">
@@ -11678,11 +11823,11 @@
               <a:buNone/>
             </a:pPr>
             <a:r>
-              <a:rPr lang="ja-JP" sz="1400"/>
+              <a:rPr lang="ja-JP" sz="1400" dirty="0"/>
               <a:t>　</a:t>
             </a:r>
             <a:r>
-              <a:rPr lang="ja-JP" sz="1400" u="sng">
+              <a:rPr lang="ja-JP" sz="1400" u="sng" dirty="0">
                 <a:solidFill>
                   <a:schemeClr val="hlink"/>
                 </a:solidFill>
@@ -11690,7 +11835,7 @@
               </a:rPr>
               <a:t>https://drive.google.com/drive/folders/1bHi3PCymVz5seV_dJS35KEQC_sBX17H-</a:t>
             </a:r>
-            <a:endParaRPr sz="1400"/>
+            <a:endParaRPr sz="1400" dirty="0"/>
           </a:p>
           <a:p>
             <a:pPr marL="0" lvl="0" indent="0" algn="l" rtl="0">
@@ -11710,7 +11855,7 @@
               <a:buFont typeface="Arial"/>
               <a:buNone/>
             </a:pPr>
-            <a:endParaRPr sz="1800"/>
+            <a:endParaRPr sz="1800" dirty="0"/>
           </a:p>
           <a:p>
             <a:pPr marL="0" lvl="0" indent="0" algn="l" rtl="0">
@@ -11731,10 +11876,10 @@
               <a:buNone/>
             </a:pPr>
             <a:r>
-              <a:rPr lang="ja-JP" sz="1800"/>
+              <a:rPr lang="ja-JP" sz="1800" dirty="0"/>
               <a:t>　岩崎さん</a:t>
             </a:r>
-            <a:endParaRPr sz="1800"/>
+            <a:endParaRPr sz="1800" dirty="0"/>
           </a:p>
           <a:p>
             <a:pPr marL="0" lvl="0" indent="0" algn="l" rtl="0">
@@ -11755,11 +11900,11 @@
               <a:buNone/>
             </a:pPr>
             <a:r>
-              <a:rPr lang="ja-JP" sz="1500"/>
+              <a:rPr lang="ja-JP" sz="1500" dirty="0"/>
               <a:t>　</a:t>
             </a:r>
             <a:r>
-              <a:rPr lang="ja-JP" sz="1500" u="sng">
+              <a:rPr lang="ja-JP" sz="1500" u="sng" dirty="0">
                 <a:solidFill>
                   <a:schemeClr val="hlink"/>
                 </a:solidFill>
@@ -11768,7 +11913,7 @@
               <a:t>https://drive.google.com/file/d/1hto7djNyPL7eYGWdXWBy3eajXIfA2wwc/view?usp=share_link</a:t>
             </a:r>
             <a:r>
-              <a:rPr lang="ja-JP" sz="1500" u="sng">
+              <a:rPr lang="ja-JP" sz="1500" u="sng" dirty="0">
                 <a:solidFill>
                   <a:schemeClr val="hlink"/>
                 </a:solidFill>
@@ -11776,7 +11921,7 @@
               <a:t>　　</a:t>
             </a:r>
             <a:r>
-              <a:rPr lang="ja-JP" sz="1500" u="sng">
+              <a:rPr lang="ja-JP" sz="1500" u="sng" dirty="0">
                 <a:solidFill>
                   <a:schemeClr val="hlink"/>
                 </a:solidFill>
@@ -11785,7 +11930,7 @@
               <a:t>indiaws2022_03_02.pdf (mof.go.jp)</a:t>
             </a:r>
             <a:br>
-              <a:rPr lang="ja-JP" sz="1500">
+              <a:rPr lang="ja-JP" sz="1500" dirty="0">
                 <a:latin typeface="Arial"/>
                 <a:ea typeface="Arial"/>
                 <a:cs typeface="Arial"/>
@@ -11793,7 +11938,7 @@
               </a:rPr>
             </a:br>
             <a:br>
-              <a:rPr lang="ja-JP" sz="1800">
+              <a:rPr lang="ja-JP" sz="1800" dirty="0">
                 <a:latin typeface="Arial"/>
                 <a:ea typeface="Arial"/>
                 <a:cs typeface="Arial"/>
@@ -11801,7 +11946,7 @@
               </a:rPr>
             </a:br>
             <a:r>
-              <a:rPr lang="ja-JP" sz="1800">
+              <a:rPr lang="ja-JP" sz="1800" dirty="0">
                 <a:latin typeface="Arial"/>
                 <a:ea typeface="Arial"/>
                 <a:cs typeface="Arial"/>
@@ -11810,14 +11955,14 @@
               <a:t>〇語彙</a:t>
             </a:r>
             <a:br>
-              <a:rPr lang="ja-JP" sz="1800">
+              <a:rPr lang="ja-JP" sz="1800" dirty="0">
                 <a:latin typeface="Arial"/>
                 <a:ea typeface="Arial"/>
                 <a:cs typeface="Arial"/>
                 <a:sym typeface="Arial"/>
               </a:rPr>
             </a:br>
-            <a:endParaRPr sz="1800">
+            <a:endParaRPr sz="1800" dirty="0">
               <a:latin typeface="Arial"/>
               <a:ea typeface="Arial"/>
               <a:cs typeface="Arial"/>
